--- a/Chinese Checkers - Apresentação.pptx
+++ b/Chinese Checkers - Apresentação.pptx
@@ -12,6 +12,7 @@
     <p:sldId id="260" r:id="rId6"/>
     <p:sldId id="261" r:id="rId7"/>
     <p:sldId id="262" r:id="rId8"/>
+    <p:sldId id="263" r:id="rId9"/>
   </p:sldIdLst>
   <p:sldSz cx="12192000" cy="6858000"/>
   <p:notesSz cx="6858000" cy="9144000"/>
@@ -110,6 +111,11 @@
       </a:defRPr>
     </a:lvl9pPr>
   </p:defaultTextStyle>
+  <p:extLst>
+    <p:ext uri="{EFAFB233-063F-42B5-8137-9DF3F51BA10A}">
+      <p15:sldGuideLst xmlns:p15="http://schemas.microsoft.com/office/powerpoint/2012/main"/>
+    </p:ext>
+  </p:extLst>
 </p:presentation>
 </file>
 
@@ -163,7 +169,7 @@
           <a:noFill/>
           <a:extLst>
             <a:ext uri="{909E8E84-426E-40dd-AFC4-6F175D3DCCD1}">
-              <a14:hiddenFill xmlns:a14="http://schemas.microsoft.com/office/drawing/2010/main" xmlns="">
+              <a14:hiddenFill xmlns="" xmlns:a14="http://schemas.microsoft.com/office/drawing/2010/main">
                 <a:solidFill>
                   <a:srgbClr val="FFFFFF"/>
                 </a:solidFill>
@@ -223,7 +229,7 @@
             </a:ln>
             <a:extLst>
               <a:ext uri="{91240B29-F687-4f45-9708-019B960494DF}">
-                <a14:hiddenLine xmlns:a14="http://schemas.microsoft.com/office/drawing/2010/main" xmlns="" w="9525">
+                <a14:hiddenLine xmlns="" xmlns:a14="http://schemas.microsoft.com/office/drawing/2010/main" w="9525">
                   <a:solidFill>
                     <a:srgbClr val="000000"/>
                   </a:solidFill>
@@ -313,7 +319,7 @@
             </a:ln>
             <a:extLst>
               <a:ext uri="{91240B29-F687-4f45-9708-019B960494DF}">
-                <a14:hiddenLine xmlns:a14="http://schemas.microsoft.com/office/drawing/2010/main" xmlns="" w="9525">
+                <a14:hiddenLine xmlns="" xmlns:a14="http://schemas.microsoft.com/office/drawing/2010/main" w="9525">
                   <a:solidFill>
                     <a:srgbClr val="000000"/>
                   </a:solidFill>
@@ -403,7 +409,7 @@
             </a:ln>
             <a:extLst>
               <a:ext uri="{91240B29-F687-4f45-9708-019B960494DF}">
-                <a14:hiddenLine xmlns:a14="http://schemas.microsoft.com/office/drawing/2010/main" xmlns="" w="9525">
+                <a14:hiddenLine xmlns="" xmlns:a14="http://schemas.microsoft.com/office/drawing/2010/main" w="9525">
                   <a:solidFill>
                     <a:srgbClr val="000000"/>
                   </a:solidFill>
@@ -437,7 +443,7 @@
             </a:ln>
             <a:extLst>
               <a:ext uri="{91240B29-F687-4f45-9708-019B960494DF}">
-                <a14:hiddenLine xmlns:a14="http://schemas.microsoft.com/office/drawing/2010/main" xmlns="" w="9525">
+                <a14:hiddenLine xmlns="" xmlns:a14="http://schemas.microsoft.com/office/drawing/2010/main" w="9525">
                   <a:solidFill>
                     <a:srgbClr val="000000"/>
                   </a:solidFill>
@@ -527,7 +533,7 @@
             </a:ln>
             <a:extLst>
               <a:ext uri="{91240B29-F687-4f45-9708-019B960494DF}">
-                <a14:hiddenLine xmlns:a14="http://schemas.microsoft.com/office/drawing/2010/main" xmlns="" w="9525">
+                <a14:hiddenLine xmlns="" xmlns:a14="http://schemas.microsoft.com/office/drawing/2010/main" w="9525">
                   <a:solidFill>
                     <a:srgbClr val="000000"/>
                   </a:solidFill>
@@ -589,7 +595,7 @@
             </a:ln>
             <a:extLst>
               <a:ext uri="{91240B29-F687-4f45-9708-019B960494DF}">
-                <a14:hiddenLine xmlns:a14="http://schemas.microsoft.com/office/drawing/2010/main" xmlns="" w="9525">
+                <a14:hiddenLine xmlns="" xmlns:a14="http://schemas.microsoft.com/office/drawing/2010/main" w="9525">
                   <a:solidFill>
                     <a:srgbClr val="000000"/>
                   </a:solidFill>
@@ -651,7 +657,7 @@
             </a:ln>
             <a:extLst>
               <a:ext uri="{91240B29-F687-4f45-9708-019B960494DF}">
-                <a14:hiddenLine xmlns:a14="http://schemas.microsoft.com/office/drawing/2010/main" xmlns="" w="9525">
+                <a14:hiddenLine xmlns="" xmlns:a14="http://schemas.microsoft.com/office/drawing/2010/main" w="9525">
                   <a:solidFill>
                     <a:srgbClr val="000000"/>
                   </a:solidFill>
@@ -741,7 +747,7 @@
             </a:ln>
             <a:extLst>
               <a:ext uri="{91240B29-F687-4f45-9708-019B960494DF}">
-                <a14:hiddenLine xmlns:a14="http://schemas.microsoft.com/office/drawing/2010/main" xmlns="" w="9525">
+                <a14:hiddenLine xmlns="" xmlns:a14="http://schemas.microsoft.com/office/drawing/2010/main" w="9525">
                   <a:solidFill>
                     <a:srgbClr val="000000"/>
                   </a:solidFill>
@@ -803,7 +809,7 @@
             </a:ln>
             <a:extLst>
               <a:ext uri="{91240B29-F687-4f45-9708-019B960494DF}">
-                <a14:hiddenLine xmlns:a14="http://schemas.microsoft.com/office/drawing/2010/main" xmlns="" w="9525">
+                <a14:hiddenLine xmlns="" xmlns:a14="http://schemas.microsoft.com/office/drawing/2010/main" w="9525">
                   <a:solidFill>
                     <a:srgbClr val="000000"/>
                   </a:solidFill>
@@ -865,7 +871,7 @@
             </a:ln>
             <a:extLst>
               <a:ext uri="{91240B29-F687-4f45-9708-019B960494DF}">
-                <a14:hiddenLine xmlns:a14="http://schemas.microsoft.com/office/drawing/2010/main" xmlns="" w="9525">
+                <a14:hiddenLine xmlns="" xmlns:a14="http://schemas.microsoft.com/office/drawing/2010/main" w="9525">
                   <a:solidFill>
                     <a:srgbClr val="000000"/>
                   </a:solidFill>
@@ -955,7 +961,7 @@
             </a:ln>
             <a:extLst>
               <a:ext uri="{91240B29-F687-4f45-9708-019B960494DF}">
-                <a14:hiddenLine xmlns:a14="http://schemas.microsoft.com/office/drawing/2010/main" xmlns="" w="9525">
+                <a14:hiddenLine xmlns="" xmlns:a14="http://schemas.microsoft.com/office/drawing/2010/main" w="9525">
                   <a:solidFill>
                     <a:srgbClr val="000000"/>
                   </a:solidFill>
@@ -1045,7 +1051,7 @@
             </a:ln>
             <a:extLst>
               <a:ext uri="{91240B29-F687-4f45-9708-019B960494DF}">
-                <a14:hiddenLine xmlns:a14="http://schemas.microsoft.com/office/drawing/2010/main" xmlns="" w="9525">
+                <a14:hiddenLine xmlns="" xmlns:a14="http://schemas.microsoft.com/office/drawing/2010/main" w="9525">
                   <a:solidFill>
                     <a:srgbClr val="000000"/>
                   </a:solidFill>
@@ -1107,7 +1113,7 @@
             </a:ln>
             <a:extLst>
               <a:ext uri="{91240B29-F687-4f45-9708-019B960494DF}">
-                <a14:hiddenLine xmlns:a14="http://schemas.microsoft.com/office/drawing/2010/main" xmlns="" w="9525">
+                <a14:hiddenLine xmlns="" xmlns:a14="http://schemas.microsoft.com/office/drawing/2010/main" w="9525">
                   <a:solidFill>
                     <a:srgbClr val="000000"/>
                   </a:solidFill>
@@ -1217,7 +1223,7 @@
             </a:ln>
             <a:extLst>
               <a:ext uri="{91240B29-F687-4f45-9708-019B960494DF}">
-                <a14:hiddenLine xmlns:a14="http://schemas.microsoft.com/office/drawing/2010/main" xmlns="" w="9525">
+                <a14:hiddenLine xmlns="" xmlns:a14="http://schemas.microsoft.com/office/drawing/2010/main" w="9525">
                   <a:solidFill>
                     <a:srgbClr val="000000"/>
                   </a:solidFill>
@@ -1279,7 +1285,7 @@
             </a:ln>
             <a:extLst>
               <a:ext uri="{91240B29-F687-4f45-9708-019B960494DF}">
-                <a14:hiddenLine xmlns:a14="http://schemas.microsoft.com/office/drawing/2010/main" xmlns="" w="9525">
+                <a14:hiddenLine xmlns="" xmlns:a14="http://schemas.microsoft.com/office/drawing/2010/main" w="9525">
                   <a:solidFill>
                     <a:srgbClr val="000000"/>
                   </a:solidFill>
@@ -1369,7 +1375,7 @@
             </a:ln>
             <a:extLst>
               <a:ext uri="{91240B29-F687-4f45-9708-019B960494DF}">
-                <a14:hiddenLine xmlns:a14="http://schemas.microsoft.com/office/drawing/2010/main" xmlns="" w="9525">
+                <a14:hiddenLine xmlns="" xmlns:a14="http://schemas.microsoft.com/office/drawing/2010/main" w="9525">
                   <a:solidFill>
                     <a:srgbClr val="000000"/>
                   </a:solidFill>
@@ -1459,7 +1465,7 @@
             </a:ln>
             <a:extLst>
               <a:ext uri="{91240B29-F687-4f45-9708-019B960494DF}">
-                <a14:hiddenLine xmlns:a14="http://schemas.microsoft.com/office/drawing/2010/main" xmlns="" w="9525">
+                <a14:hiddenLine xmlns="" xmlns:a14="http://schemas.microsoft.com/office/drawing/2010/main" w="9525">
                   <a:solidFill>
                     <a:srgbClr val="000000"/>
                   </a:solidFill>
@@ -1521,7 +1527,7 @@
             </a:ln>
             <a:extLst>
               <a:ext uri="{91240B29-F687-4f45-9708-019B960494DF}">
-                <a14:hiddenLine xmlns:a14="http://schemas.microsoft.com/office/drawing/2010/main" xmlns="" w="9525">
+                <a14:hiddenLine xmlns="" xmlns:a14="http://schemas.microsoft.com/office/drawing/2010/main" w="9525">
                   <a:solidFill>
                     <a:srgbClr val="000000"/>
                   </a:solidFill>
@@ -1611,7 +1617,7 @@
             </a:ln>
             <a:extLst>
               <a:ext uri="{91240B29-F687-4f45-9708-019B960494DF}">
-                <a14:hiddenLine xmlns:a14="http://schemas.microsoft.com/office/drawing/2010/main" xmlns="" w="9525">
+                <a14:hiddenLine xmlns="" xmlns:a14="http://schemas.microsoft.com/office/drawing/2010/main" w="9525">
                   <a:solidFill>
                     <a:srgbClr val="000000"/>
                   </a:solidFill>
@@ -1701,7 +1707,7 @@
             </a:ln>
             <a:extLst>
               <a:ext uri="{91240B29-F687-4f45-9708-019B960494DF}">
-                <a14:hiddenLine xmlns:a14="http://schemas.microsoft.com/office/drawing/2010/main" xmlns="" w="9525">
+                <a14:hiddenLine xmlns="" xmlns:a14="http://schemas.microsoft.com/office/drawing/2010/main" w="9525">
                   <a:solidFill>
                     <a:srgbClr val="000000"/>
                   </a:solidFill>
@@ -1757,7 +1763,7 @@
             </a:ln>
             <a:extLst>
               <a:ext uri="{91240B29-F687-4f45-9708-019B960494DF}">
-                <a14:hiddenLine xmlns:a14="http://schemas.microsoft.com/office/drawing/2010/main" xmlns="" w="9525">
+                <a14:hiddenLine xmlns="" xmlns:a14="http://schemas.microsoft.com/office/drawing/2010/main" w="9525">
                   <a:solidFill>
                     <a:srgbClr val="000000"/>
                   </a:solidFill>
@@ -1847,7 +1853,7 @@
             </a:ln>
             <a:extLst>
               <a:ext uri="{91240B29-F687-4f45-9708-019B960494DF}">
-                <a14:hiddenLine xmlns:a14="http://schemas.microsoft.com/office/drawing/2010/main" xmlns="" w="9525">
+                <a14:hiddenLine xmlns="" xmlns:a14="http://schemas.microsoft.com/office/drawing/2010/main" w="9525">
                   <a:solidFill>
                     <a:srgbClr val="000000"/>
                   </a:solidFill>
@@ -1903,7 +1909,7 @@
             </a:ln>
             <a:extLst>
               <a:ext uri="{91240B29-F687-4f45-9708-019B960494DF}">
-                <a14:hiddenLine xmlns:a14="http://schemas.microsoft.com/office/drawing/2010/main" xmlns="" w="9525">
+                <a14:hiddenLine xmlns="" xmlns:a14="http://schemas.microsoft.com/office/drawing/2010/main" w="9525">
                   <a:solidFill>
                     <a:srgbClr val="000000"/>
                   </a:solidFill>
@@ -1993,7 +1999,7 @@
             </a:ln>
             <a:extLst>
               <a:ext uri="{91240B29-F687-4f45-9708-019B960494DF}">
-                <a14:hiddenLine xmlns:a14="http://schemas.microsoft.com/office/drawing/2010/main" xmlns="" w="9525">
+                <a14:hiddenLine xmlns="" xmlns:a14="http://schemas.microsoft.com/office/drawing/2010/main" w="9525">
                   <a:solidFill>
                     <a:srgbClr val="000000"/>
                   </a:solidFill>
@@ -2061,7 +2067,7 @@
             </a:ln>
             <a:extLst>
               <a:ext uri="{91240B29-F687-4f45-9708-019B960494DF}">
-                <a14:hiddenLine xmlns:a14="http://schemas.microsoft.com/office/drawing/2010/main" xmlns="" w="9525">
+                <a14:hiddenLine xmlns="" xmlns:a14="http://schemas.microsoft.com/office/drawing/2010/main" w="9525">
                   <a:solidFill>
                     <a:srgbClr val="000000"/>
                   </a:solidFill>
@@ -2151,7 +2157,7 @@
             </a:ln>
             <a:extLst>
               <a:ext uri="{91240B29-F687-4f45-9708-019B960494DF}">
-                <a14:hiddenLine xmlns:a14="http://schemas.microsoft.com/office/drawing/2010/main" xmlns="" w="9525">
+                <a14:hiddenLine xmlns="" xmlns:a14="http://schemas.microsoft.com/office/drawing/2010/main" w="9525">
                   <a:solidFill>
                     <a:srgbClr val="000000"/>
                   </a:solidFill>
@@ -2219,7 +2225,7 @@
             </a:ln>
             <a:extLst>
               <a:ext uri="{91240B29-F687-4f45-9708-019B960494DF}">
-                <a14:hiddenLine xmlns:a14="http://schemas.microsoft.com/office/drawing/2010/main" xmlns="" w="9525">
+                <a14:hiddenLine xmlns="" xmlns:a14="http://schemas.microsoft.com/office/drawing/2010/main" w="9525">
                   <a:solidFill>
                     <a:srgbClr val="000000"/>
                   </a:solidFill>
@@ -2309,7 +2315,7 @@
             </a:ln>
             <a:extLst>
               <a:ext uri="{91240B29-F687-4f45-9708-019B960494DF}">
-                <a14:hiddenLine xmlns:a14="http://schemas.microsoft.com/office/drawing/2010/main" xmlns="" w="9525">
+                <a14:hiddenLine xmlns="" xmlns:a14="http://schemas.microsoft.com/office/drawing/2010/main" w="9525">
                   <a:solidFill>
                     <a:srgbClr val="000000"/>
                   </a:solidFill>
@@ -2343,7 +2349,7 @@
             </a:ln>
             <a:extLst>
               <a:ext uri="{91240B29-F687-4f45-9708-019B960494DF}">
-                <a14:hiddenLine xmlns:a14="http://schemas.microsoft.com/office/drawing/2010/main" xmlns="" w="9525">
+                <a14:hiddenLine xmlns="" xmlns:a14="http://schemas.microsoft.com/office/drawing/2010/main" w="9525">
                   <a:solidFill>
                     <a:srgbClr val="000000"/>
                   </a:solidFill>
@@ -2433,7 +2439,7 @@
             </a:ln>
             <a:extLst>
               <a:ext uri="{91240B29-F687-4f45-9708-019B960494DF}">
-                <a14:hiddenLine xmlns:a14="http://schemas.microsoft.com/office/drawing/2010/main" xmlns="" w="9525">
+                <a14:hiddenLine xmlns="" xmlns:a14="http://schemas.microsoft.com/office/drawing/2010/main" w="9525">
                   <a:solidFill>
                     <a:srgbClr val="000000"/>
                   </a:solidFill>
@@ -2495,7 +2501,7 @@
             </a:ln>
             <a:extLst>
               <a:ext uri="{91240B29-F687-4f45-9708-019B960494DF}">
-                <a14:hiddenLine xmlns:a14="http://schemas.microsoft.com/office/drawing/2010/main" xmlns="" w="9525">
+                <a14:hiddenLine xmlns="" xmlns:a14="http://schemas.microsoft.com/office/drawing/2010/main" w="9525">
                   <a:solidFill>
                     <a:srgbClr val="000000"/>
                   </a:solidFill>
@@ -2557,7 +2563,7 @@
             </a:ln>
             <a:extLst>
               <a:ext uri="{91240B29-F687-4f45-9708-019B960494DF}">
-                <a14:hiddenLine xmlns:a14="http://schemas.microsoft.com/office/drawing/2010/main" xmlns="" w="9525">
+                <a14:hiddenLine xmlns="" xmlns:a14="http://schemas.microsoft.com/office/drawing/2010/main" w="9525">
                   <a:solidFill>
                     <a:srgbClr val="000000"/>
                   </a:solidFill>
@@ -2647,7 +2653,7 @@
             </a:ln>
             <a:extLst>
               <a:ext uri="{91240B29-F687-4f45-9708-019B960494DF}">
-                <a14:hiddenLine xmlns:a14="http://schemas.microsoft.com/office/drawing/2010/main" xmlns="" w="9525">
+                <a14:hiddenLine xmlns="" xmlns:a14="http://schemas.microsoft.com/office/drawing/2010/main" w="9525">
                   <a:solidFill>
                     <a:srgbClr val="000000"/>
                   </a:solidFill>
@@ -2715,7 +2721,7 @@
             </a:ln>
             <a:extLst>
               <a:ext uri="{91240B29-F687-4f45-9708-019B960494DF}">
-                <a14:hiddenLine xmlns:a14="http://schemas.microsoft.com/office/drawing/2010/main" xmlns="" w="9525">
+                <a14:hiddenLine xmlns="" xmlns:a14="http://schemas.microsoft.com/office/drawing/2010/main" w="9525">
                   <a:solidFill>
                     <a:srgbClr val="000000"/>
                   </a:solidFill>
@@ -2777,7 +2783,7 @@
             </a:ln>
             <a:extLst>
               <a:ext uri="{91240B29-F687-4f45-9708-019B960494DF}">
-                <a14:hiddenLine xmlns:a14="http://schemas.microsoft.com/office/drawing/2010/main" xmlns="" w="9525">
+                <a14:hiddenLine xmlns="" xmlns:a14="http://schemas.microsoft.com/office/drawing/2010/main" w="9525">
                   <a:solidFill>
                     <a:srgbClr val="000000"/>
                   </a:solidFill>
@@ -2867,7 +2873,7 @@
             </a:ln>
             <a:extLst>
               <a:ext uri="{91240B29-F687-4f45-9708-019B960494DF}">
-                <a14:hiddenLine xmlns:a14="http://schemas.microsoft.com/office/drawing/2010/main" xmlns="" w="9525">
+                <a14:hiddenLine xmlns="" xmlns:a14="http://schemas.microsoft.com/office/drawing/2010/main" w="9525">
                   <a:solidFill>
                     <a:srgbClr val="000000"/>
                   </a:solidFill>
@@ -2929,7 +2935,7 @@
             </a:ln>
             <a:extLst>
               <a:ext uri="{91240B29-F687-4f45-9708-019B960494DF}">
-                <a14:hiddenLine xmlns:a14="http://schemas.microsoft.com/office/drawing/2010/main" xmlns="" w="9525">
+                <a14:hiddenLine xmlns="" xmlns:a14="http://schemas.microsoft.com/office/drawing/2010/main" w="9525">
                   <a:solidFill>
                     <a:srgbClr val="000000"/>
                   </a:solidFill>
@@ -3019,7 +3025,7 @@
             </a:ln>
             <a:extLst>
               <a:ext uri="{91240B29-F687-4f45-9708-019B960494DF}">
-                <a14:hiddenLine xmlns:a14="http://schemas.microsoft.com/office/drawing/2010/main" xmlns="" w="9525">
+                <a14:hiddenLine xmlns="" xmlns:a14="http://schemas.microsoft.com/office/drawing/2010/main" w="9525">
                   <a:solidFill>
                     <a:srgbClr val="000000"/>
                   </a:solidFill>
@@ -3081,7 +3087,7 @@
             </a:ln>
             <a:extLst>
               <a:ext uri="{91240B29-F687-4f45-9708-019B960494DF}">
-                <a14:hiddenLine xmlns:a14="http://schemas.microsoft.com/office/drawing/2010/main" xmlns="" w="9525">
+                <a14:hiddenLine xmlns="" xmlns:a14="http://schemas.microsoft.com/office/drawing/2010/main" w="9525">
                   <a:solidFill>
                     <a:srgbClr val="000000"/>
                   </a:solidFill>
@@ -3171,7 +3177,7 @@
             </a:ln>
             <a:extLst>
               <a:ext uri="{91240B29-F687-4f45-9708-019B960494DF}">
-                <a14:hiddenLine xmlns:a14="http://schemas.microsoft.com/office/drawing/2010/main" xmlns="" w="9525">
+                <a14:hiddenLine xmlns="" xmlns:a14="http://schemas.microsoft.com/office/drawing/2010/main" w="9525">
                   <a:solidFill>
                     <a:srgbClr val="000000"/>
                   </a:solidFill>
@@ -3205,7 +3211,7 @@
             </a:ln>
             <a:extLst>
               <a:ext uri="{91240B29-F687-4f45-9708-019B960494DF}">
-                <a14:hiddenLine xmlns:a14="http://schemas.microsoft.com/office/drawing/2010/main" xmlns="" w="9525">
+                <a14:hiddenLine xmlns="" xmlns:a14="http://schemas.microsoft.com/office/drawing/2010/main" w="9525">
                   <a:solidFill>
                     <a:srgbClr val="000000"/>
                   </a:solidFill>
@@ -3270,7 +3276,7 @@
             </a:ln>
             <a:extLst>
               <a:ext uri="{91240B29-F687-4f45-9708-019B960494DF}">
-                <a14:hiddenLine xmlns:a14="http://schemas.microsoft.com/office/drawing/2010/main" xmlns="" w="9525">
+                <a14:hiddenLine xmlns="" xmlns:a14="http://schemas.microsoft.com/office/drawing/2010/main" w="9525">
                   <a:solidFill>
                     <a:srgbClr val="000000"/>
                   </a:solidFill>
@@ -3360,7 +3366,7 @@
             </a:ln>
             <a:extLst>
               <a:ext uri="{91240B29-F687-4f45-9708-019B960494DF}">
-                <a14:hiddenLine xmlns:a14="http://schemas.microsoft.com/office/drawing/2010/main" xmlns="" w="9525">
+                <a14:hiddenLine xmlns="" xmlns:a14="http://schemas.microsoft.com/office/drawing/2010/main" w="9525">
                   <a:solidFill>
                     <a:srgbClr val="000000"/>
                   </a:solidFill>
@@ -3422,7 +3428,7 @@
             </a:ln>
             <a:extLst>
               <a:ext uri="{91240B29-F687-4f45-9708-019B960494DF}">
-                <a14:hiddenLine xmlns:a14="http://schemas.microsoft.com/office/drawing/2010/main" xmlns="" w="9525">
+                <a14:hiddenLine xmlns="" xmlns:a14="http://schemas.microsoft.com/office/drawing/2010/main" w="9525">
                   <a:solidFill>
                     <a:srgbClr val="000000"/>
                   </a:solidFill>
@@ -3512,7 +3518,7 @@
             </a:ln>
             <a:extLst>
               <a:ext uri="{91240B29-F687-4f45-9708-019B960494DF}">
-                <a14:hiddenLine xmlns:a14="http://schemas.microsoft.com/office/drawing/2010/main" xmlns="" w="9525">
+                <a14:hiddenLine xmlns="" xmlns:a14="http://schemas.microsoft.com/office/drawing/2010/main" w="9525">
                   <a:solidFill>
                     <a:srgbClr val="000000"/>
                   </a:solidFill>
@@ -3602,7 +3608,7 @@
             </a:ln>
             <a:extLst>
               <a:ext uri="{91240B29-F687-4f45-9708-019B960494DF}">
-                <a14:hiddenLine xmlns:a14="http://schemas.microsoft.com/office/drawing/2010/main" xmlns="" w="9525">
+                <a14:hiddenLine xmlns="" xmlns:a14="http://schemas.microsoft.com/office/drawing/2010/main" w="9525">
                   <a:solidFill>
                     <a:srgbClr val="000000"/>
                   </a:solidFill>
@@ -3667,7 +3673,7 @@
             </a:ln>
             <a:extLst>
               <a:ext uri="{91240B29-F687-4f45-9708-019B960494DF}">
-                <a14:hiddenLine xmlns:a14="http://schemas.microsoft.com/office/drawing/2010/main" xmlns="" w="9525">
+                <a14:hiddenLine xmlns="" xmlns:a14="http://schemas.microsoft.com/office/drawing/2010/main" w="9525">
                   <a:solidFill>
                     <a:srgbClr val="000000"/>
                   </a:solidFill>
@@ -3729,7 +3735,7 @@
             </a:ln>
             <a:extLst>
               <a:ext uri="{91240B29-F687-4f45-9708-019B960494DF}">
-                <a14:hiddenLine xmlns:a14="http://schemas.microsoft.com/office/drawing/2010/main" xmlns="" w="9525">
+                <a14:hiddenLine xmlns="" xmlns:a14="http://schemas.microsoft.com/office/drawing/2010/main" w="9525">
                   <a:solidFill>
                     <a:srgbClr val="000000"/>
                   </a:solidFill>
@@ -3819,7 +3825,7 @@
             </a:ln>
             <a:extLst>
               <a:ext uri="{91240B29-F687-4f45-9708-019B960494DF}">
-                <a14:hiddenLine xmlns:a14="http://schemas.microsoft.com/office/drawing/2010/main" xmlns="" w="9525">
+                <a14:hiddenLine xmlns="" xmlns:a14="http://schemas.microsoft.com/office/drawing/2010/main" w="9525">
                   <a:solidFill>
                     <a:srgbClr val="000000"/>
                   </a:solidFill>
@@ -3909,7 +3915,7 @@
             </a:ln>
             <a:extLst>
               <a:ext uri="{91240B29-F687-4f45-9708-019B960494DF}">
-                <a14:hiddenLine xmlns:a14="http://schemas.microsoft.com/office/drawing/2010/main" xmlns="" w="9525">
+                <a14:hiddenLine xmlns="" xmlns:a14="http://schemas.microsoft.com/office/drawing/2010/main" w="9525">
                   <a:solidFill>
                     <a:srgbClr val="000000"/>
                   </a:solidFill>
@@ -3971,7 +3977,7 @@
             </a:ln>
             <a:extLst>
               <a:ext uri="{91240B29-F687-4f45-9708-019B960494DF}">
-                <a14:hiddenLine xmlns:a14="http://schemas.microsoft.com/office/drawing/2010/main" xmlns="" w="9525">
+                <a14:hiddenLine xmlns="" xmlns:a14="http://schemas.microsoft.com/office/drawing/2010/main" w="9525">
                   <a:solidFill>
                     <a:srgbClr val="000000"/>
                   </a:solidFill>
@@ -4091,7 +4097,7 @@
             </a:ln>
             <a:extLst>
               <a:ext uri="{91240B29-F687-4f45-9708-019B960494DF}">
-                <a14:hiddenLine xmlns:a14="http://schemas.microsoft.com/office/drawing/2010/main" xmlns="" w="9525">
+                <a14:hiddenLine xmlns="" xmlns:a14="http://schemas.microsoft.com/office/drawing/2010/main" w="9525">
                   <a:solidFill>
                     <a:srgbClr val="000000"/>
                   </a:solidFill>
@@ -4159,7 +4165,7 @@
             </a:ln>
             <a:extLst>
               <a:ext uri="{91240B29-F687-4f45-9708-019B960494DF}">
-                <a14:hiddenLine xmlns:a14="http://schemas.microsoft.com/office/drawing/2010/main" xmlns="" w="9525">
+                <a14:hiddenLine xmlns="" xmlns:a14="http://schemas.microsoft.com/office/drawing/2010/main" w="9525">
                   <a:solidFill>
                     <a:srgbClr val="000000"/>
                   </a:solidFill>
@@ -4249,7 +4255,7 @@
             </a:ln>
             <a:extLst>
               <a:ext uri="{91240B29-F687-4f45-9708-019B960494DF}">
-                <a14:hiddenLine xmlns:a14="http://schemas.microsoft.com/office/drawing/2010/main" xmlns="" w="9525">
+                <a14:hiddenLine xmlns="" xmlns:a14="http://schemas.microsoft.com/office/drawing/2010/main" w="9525">
                   <a:solidFill>
                     <a:srgbClr val="000000"/>
                   </a:solidFill>
@@ -8971,7 +8977,7 @@
           <a:noFill/>
           <a:extLst>
             <a:ext uri="{909E8E84-426E-40dd-AFC4-6F175D3DCCD1}">
-              <a14:hiddenFill xmlns:a14="http://schemas.microsoft.com/office/drawing/2010/main" xmlns="">
+              <a14:hiddenFill xmlns="" xmlns:a14="http://schemas.microsoft.com/office/drawing/2010/main">
                 <a:solidFill>
                   <a:srgbClr val="FFFFFF"/>
                 </a:solidFill>
@@ -9045,7 +9051,7 @@
               </a:ln>
               <a:extLst>
                 <a:ext uri="{91240B29-F687-4f45-9708-019B960494DF}">
-                  <a14:hiddenLine xmlns:a14="http://schemas.microsoft.com/office/drawing/2010/main" xmlns="" w="9525">
+                  <a14:hiddenLine xmlns="" xmlns:a14="http://schemas.microsoft.com/office/drawing/2010/main" w="9525">
                     <a:solidFill>
                       <a:srgbClr val="000000"/>
                     </a:solidFill>
@@ -9135,7 +9141,7 @@
               </a:ln>
               <a:extLst>
                 <a:ext uri="{91240B29-F687-4f45-9708-019B960494DF}">
-                  <a14:hiddenLine xmlns:a14="http://schemas.microsoft.com/office/drawing/2010/main" xmlns="" w="9525">
+                  <a14:hiddenLine xmlns="" xmlns:a14="http://schemas.microsoft.com/office/drawing/2010/main" w="9525">
                     <a:solidFill>
                       <a:srgbClr val="000000"/>
                     </a:solidFill>
@@ -9225,7 +9231,7 @@
               </a:ln>
               <a:extLst>
                 <a:ext uri="{91240B29-F687-4f45-9708-019B960494DF}">
-                  <a14:hiddenLine xmlns:a14="http://schemas.microsoft.com/office/drawing/2010/main" xmlns="" w="9525">
+                  <a14:hiddenLine xmlns="" xmlns:a14="http://schemas.microsoft.com/office/drawing/2010/main" w="9525">
                     <a:solidFill>
                       <a:srgbClr val="000000"/>
                     </a:solidFill>
@@ -9287,7 +9293,7 @@
               </a:ln>
               <a:extLst>
                 <a:ext uri="{91240B29-F687-4f45-9708-019B960494DF}">
-                  <a14:hiddenLine xmlns:a14="http://schemas.microsoft.com/office/drawing/2010/main" xmlns="" w="9525">
+                  <a14:hiddenLine xmlns="" xmlns:a14="http://schemas.microsoft.com/office/drawing/2010/main" w="9525">
                     <a:solidFill>
                       <a:srgbClr val="000000"/>
                     </a:solidFill>
@@ -9377,7 +9383,7 @@
               </a:ln>
               <a:extLst>
                 <a:ext uri="{91240B29-F687-4f45-9708-019B960494DF}">
-                  <a14:hiddenLine xmlns:a14="http://schemas.microsoft.com/office/drawing/2010/main" xmlns="" w="9525">
+                  <a14:hiddenLine xmlns="" xmlns:a14="http://schemas.microsoft.com/office/drawing/2010/main" w="9525">
                     <a:solidFill>
                       <a:srgbClr val="000000"/>
                     </a:solidFill>
@@ -9439,7 +9445,7 @@
               </a:ln>
               <a:extLst>
                 <a:ext uri="{91240B29-F687-4f45-9708-019B960494DF}">
-                  <a14:hiddenLine xmlns:a14="http://schemas.microsoft.com/office/drawing/2010/main" xmlns="" w="9525">
+                  <a14:hiddenLine xmlns="" xmlns:a14="http://schemas.microsoft.com/office/drawing/2010/main" w="9525">
                     <a:solidFill>
                       <a:srgbClr val="000000"/>
                     </a:solidFill>
@@ -9501,7 +9507,7 @@
               </a:ln>
               <a:extLst>
                 <a:ext uri="{91240B29-F687-4f45-9708-019B960494DF}">
-                  <a14:hiddenLine xmlns:a14="http://schemas.microsoft.com/office/drawing/2010/main" xmlns="" w="9525">
+                  <a14:hiddenLine xmlns="" xmlns:a14="http://schemas.microsoft.com/office/drawing/2010/main" w="9525">
                     <a:solidFill>
                       <a:srgbClr val="000000"/>
                     </a:solidFill>
@@ -9591,7 +9597,7 @@
               </a:ln>
               <a:extLst>
                 <a:ext uri="{91240B29-F687-4f45-9708-019B960494DF}">
-                  <a14:hiddenLine xmlns:a14="http://schemas.microsoft.com/office/drawing/2010/main" xmlns="" w="9525">
+                  <a14:hiddenLine xmlns="" xmlns:a14="http://schemas.microsoft.com/office/drawing/2010/main" w="9525">
                     <a:solidFill>
                       <a:srgbClr val="000000"/>
                     </a:solidFill>
@@ -9681,7 +9687,7 @@
               </a:ln>
               <a:extLst>
                 <a:ext uri="{91240B29-F687-4f45-9708-019B960494DF}">
-                  <a14:hiddenLine xmlns:a14="http://schemas.microsoft.com/office/drawing/2010/main" xmlns="" w="9525">
+                  <a14:hiddenLine xmlns="" xmlns:a14="http://schemas.microsoft.com/office/drawing/2010/main" w="9525">
                     <a:solidFill>
                       <a:srgbClr val="000000"/>
                     </a:solidFill>
@@ -9743,7 +9749,7 @@
               </a:ln>
               <a:extLst>
                 <a:ext uri="{91240B29-F687-4f45-9708-019B960494DF}">
-                  <a14:hiddenLine xmlns:a14="http://schemas.microsoft.com/office/drawing/2010/main" xmlns="" w="9525">
+                  <a14:hiddenLine xmlns="" xmlns:a14="http://schemas.microsoft.com/office/drawing/2010/main" w="9525">
                     <a:solidFill>
                       <a:srgbClr val="000000"/>
                     </a:solidFill>
@@ -9853,7 +9859,7 @@
               </a:ln>
               <a:extLst>
                 <a:ext uri="{91240B29-F687-4f45-9708-019B960494DF}">
-                  <a14:hiddenLine xmlns:a14="http://schemas.microsoft.com/office/drawing/2010/main" xmlns="" w="9525">
+                  <a14:hiddenLine xmlns="" xmlns:a14="http://schemas.microsoft.com/office/drawing/2010/main" w="9525">
                     <a:solidFill>
                       <a:srgbClr val="000000"/>
                     </a:solidFill>
@@ -9937,7 +9943,7 @@
               </a:ln>
               <a:extLst>
                 <a:ext uri="{91240B29-F687-4f45-9708-019B960494DF}">
-                  <a14:hiddenLine xmlns:a14="http://schemas.microsoft.com/office/drawing/2010/main" xmlns="" w="9525">
+                  <a14:hiddenLine xmlns="" xmlns:a14="http://schemas.microsoft.com/office/drawing/2010/main" w="9525">
                     <a:solidFill>
                       <a:srgbClr val="000000"/>
                     </a:solidFill>
@@ -9999,7 +10005,7 @@
               </a:ln>
               <a:extLst>
                 <a:ext uri="{91240B29-F687-4f45-9708-019B960494DF}">
-                  <a14:hiddenLine xmlns:a14="http://schemas.microsoft.com/office/drawing/2010/main" xmlns="" w="9525">
+                  <a14:hiddenLine xmlns="" xmlns:a14="http://schemas.microsoft.com/office/drawing/2010/main" w="9525">
                     <a:solidFill>
                       <a:srgbClr val="000000"/>
                     </a:solidFill>
@@ -10061,7 +10067,7 @@
               </a:ln>
               <a:extLst>
                 <a:ext uri="{91240B29-F687-4f45-9708-019B960494DF}">
-                  <a14:hiddenLine xmlns:a14="http://schemas.microsoft.com/office/drawing/2010/main" xmlns="" w="9525">
+                  <a14:hiddenLine xmlns="" xmlns:a14="http://schemas.microsoft.com/office/drawing/2010/main" w="9525">
                     <a:solidFill>
                       <a:srgbClr val="000000"/>
                     </a:solidFill>
@@ -10151,7 +10157,7 @@
               </a:ln>
               <a:extLst>
                 <a:ext uri="{91240B29-F687-4f45-9708-019B960494DF}">
-                  <a14:hiddenLine xmlns:a14="http://schemas.microsoft.com/office/drawing/2010/main" xmlns="" w="9525">
+                  <a14:hiddenLine xmlns="" xmlns:a14="http://schemas.microsoft.com/office/drawing/2010/main" w="9525">
                     <a:solidFill>
                       <a:srgbClr val="000000"/>
                     </a:solidFill>
@@ -10185,7 +10191,7 @@
               </a:ln>
               <a:extLst>
                 <a:ext uri="{91240B29-F687-4f45-9708-019B960494DF}">
-                  <a14:hiddenLine xmlns:a14="http://schemas.microsoft.com/office/drawing/2010/main" xmlns="" w="9525">
+                  <a14:hiddenLine xmlns="" xmlns:a14="http://schemas.microsoft.com/office/drawing/2010/main" w="9525">
                     <a:solidFill>
                       <a:srgbClr val="000000"/>
                     </a:solidFill>
@@ -10250,7 +10256,7 @@
               </a:ln>
               <a:extLst>
                 <a:ext uri="{91240B29-F687-4f45-9708-019B960494DF}">
-                  <a14:hiddenLine xmlns:a14="http://schemas.microsoft.com/office/drawing/2010/main" xmlns="" w="9525">
+                  <a14:hiddenLine xmlns="" xmlns:a14="http://schemas.microsoft.com/office/drawing/2010/main" w="9525">
                     <a:solidFill>
                       <a:srgbClr val="000000"/>
                     </a:solidFill>
@@ -10340,7 +10346,7 @@
               </a:ln>
               <a:extLst>
                 <a:ext uri="{91240B29-F687-4f45-9708-019B960494DF}">
-                  <a14:hiddenLine xmlns:a14="http://schemas.microsoft.com/office/drawing/2010/main" xmlns="" w="9525">
+                  <a14:hiddenLine xmlns="" xmlns:a14="http://schemas.microsoft.com/office/drawing/2010/main" w="9525">
                     <a:solidFill>
                       <a:srgbClr val="000000"/>
                     </a:solidFill>
@@ -10402,7 +10408,7 @@
               </a:ln>
               <a:extLst>
                 <a:ext uri="{91240B29-F687-4f45-9708-019B960494DF}">
-                  <a14:hiddenLine xmlns:a14="http://schemas.microsoft.com/office/drawing/2010/main" xmlns="" w="9525">
+                  <a14:hiddenLine xmlns="" xmlns:a14="http://schemas.microsoft.com/office/drawing/2010/main" w="9525">
                     <a:solidFill>
                       <a:srgbClr val="000000"/>
                     </a:solidFill>
@@ -10492,7 +10498,7 @@
               </a:ln>
               <a:extLst>
                 <a:ext uri="{91240B29-F687-4f45-9708-019B960494DF}">
-                  <a14:hiddenLine xmlns:a14="http://schemas.microsoft.com/office/drawing/2010/main" xmlns="" w="9525">
+                  <a14:hiddenLine xmlns="" xmlns:a14="http://schemas.microsoft.com/office/drawing/2010/main" w="9525">
                     <a:solidFill>
                       <a:srgbClr val="000000"/>
                     </a:solidFill>
@@ -10557,7 +10563,7 @@
               </a:ln>
               <a:extLst>
                 <a:ext uri="{91240B29-F687-4f45-9708-019B960494DF}">
-                  <a14:hiddenLine xmlns:a14="http://schemas.microsoft.com/office/drawing/2010/main" xmlns="" w="9525">
+                  <a14:hiddenLine xmlns="" xmlns:a14="http://schemas.microsoft.com/office/drawing/2010/main" w="9525">
                     <a:solidFill>
                       <a:srgbClr val="000000"/>
                     </a:solidFill>
@@ -10619,7 +10625,7 @@
               </a:ln>
               <a:extLst>
                 <a:ext uri="{91240B29-F687-4f45-9708-019B960494DF}">
-                  <a14:hiddenLine xmlns:a14="http://schemas.microsoft.com/office/drawing/2010/main" xmlns="" w="9525">
+                  <a14:hiddenLine xmlns="" xmlns:a14="http://schemas.microsoft.com/office/drawing/2010/main" w="9525">
                     <a:solidFill>
                       <a:srgbClr val="000000"/>
                     </a:solidFill>
@@ -10709,7 +10715,7 @@
               </a:ln>
               <a:extLst>
                 <a:ext uri="{91240B29-F687-4f45-9708-019B960494DF}">
-                  <a14:hiddenLine xmlns:a14="http://schemas.microsoft.com/office/drawing/2010/main" xmlns="" w="9525">
+                  <a14:hiddenLine xmlns="" xmlns:a14="http://schemas.microsoft.com/office/drawing/2010/main" w="9525">
                     <a:solidFill>
                       <a:srgbClr val="000000"/>
                     </a:solidFill>
@@ -10799,7 +10805,7 @@
               </a:ln>
               <a:extLst>
                 <a:ext uri="{91240B29-F687-4f45-9708-019B960494DF}">
-                  <a14:hiddenLine xmlns:a14="http://schemas.microsoft.com/office/drawing/2010/main" xmlns="" w="9525">
+                  <a14:hiddenLine xmlns="" xmlns:a14="http://schemas.microsoft.com/office/drawing/2010/main" w="9525">
                     <a:solidFill>
                       <a:srgbClr val="000000"/>
                     </a:solidFill>
@@ -10864,7 +10870,7 @@
               </a:ln>
               <a:extLst>
                 <a:ext uri="{91240B29-F687-4f45-9708-019B960494DF}">
-                  <a14:hiddenLine xmlns:a14="http://schemas.microsoft.com/office/drawing/2010/main" xmlns="" w="9525">
+                  <a14:hiddenLine xmlns="" xmlns:a14="http://schemas.microsoft.com/office/drawing/2010/main" w="9525">
                     <a:solidFill>
                       <a:srgbClr val="000000"/>
                     </a:solidFill>
@@ -10984,7 +10990,7 @@
               </a:ln>
               <a:extLst>
                 <a:ext uri="{91240B29-F687-4f45-9708-019B960494DF}">
-                  <a14:hiddenLine xmlns:a14="http://schemas.microsoft.com/office/drawing/2010/main" xmlns="" w="9525">
+                  <a14:hiddenLine xmlns="" xmlns:a14="http://schemas.microsoft.com/office/drawing/2010/main" w="9525">
                     <a:solidFill>
                       <a:srgbClr val="000000"/>
                     </a:solidFill>
@@ -11082,7 +11088,7 @@
               </a:ln>
               <a:extLst>
                 <a:ext uri="{91240B29-F687-4f45-9708-019B960494DF}">
-                  <a14:hiddenLine xmlns:a14="http://schemas.microsoft.com/office/drawing/2010/main" xmlns="" w="9525">
+                  <a14:hiddenLine xmlns="" xmlns:a14="http://schemas.microsoft.com/office/drawing/2010/main" w="9525">
                     <a:solidFill>
                       <a:srgbClr val="000000"/>
                     </a:solidFill>
@@ -11197,7 +11203,7 @@
               </a:ln>
               <a:extLst>
                 <a:ext uri="{91240B29-F687-4f45-9708-019B960494DF}">
-                  <a14:hiddenLine xmlns:a14="http://schemas.microsoft.com/office/drawing/2010/main" xmlns="" w="9525">
+                  <a14:hiddenLine xmlns="" xmlns:a14="http://schemas.microsoft.com/office/drawing/2010/main" w="9525">
                     <a:solidFill>
                       <a:srgbClr val="000000"/>
                     </a:solidFill>
@@ -11287,7 +11293,7 @@
               </a:ln>
               <a:extLst>
                 <a:ext uri="{91240B29-F687-4f45-9708-019B960494DF}">
-                  <a14:hiddenLine xmlns:a14="http://schemas.microsoft.com/office/drawing/2010/main" xmlns="" w="9525">
+                  <a14:hiddenLine xmlns="" xmlns:a14="http://schemas.microsoft.com/office/drawing/2010/main" w="9525">
                     <a:solidFill>
                       <a:srgbClr val="000000"/>
                     </a:solidFill>
@@ -11352,7 +11358,7 @@
               </a:ln>
               <a:extLst>
                 <a:ext uri="{91240B29-F687-4f45-9708-019B960494DF}">
-                  <a14:hiddenLine xmlns:a14="http://schemas.microsoft.com/office/drawing/2010/main" xmlns="" w="9525">
+                  <a14:hiddenLine xmlns="" xmlns:a14="http://schemas.microsoft.com/office/drawing/2010/main" w="9525">
                     <a:solidFill>
                       <a:srgbClr val="000000"/>
                     </a:solidFill>
@@ -11442,7 +11448,7 @@
               </a:ln>
               <a:extLst>
                 <a:ext uri="{91240B29-F687-4f45-9708-019B960494DF}">
-                  <a14:hiddenLine xmlns:a14="http://schemas.microsoft.com/office/drawing/2010/main" xmlns="" w="9525">
+                  <a14:hiddenLine xmlns="" xmlns:a14="http://schemas.microsoft.com/office/drawing/2010/main" w="9525">
                     <a:solidFill>
                       <a:srgbClr val="000000"/>
                     </a:solidFill>
@@ -11510,7 +11516,7 @@
               </a:ln>
               <a:extLst>
                 <a:ext uri="{91240B29-F687-4f45-9708-019B960494DF}">
-                  <a14:hiddenLine xmlns:a14="http://schemas.microsoft.com/office/drawing/2010/main" xmlns="" w="9525">
+                  <a14:hiddenLine xmlns="" xmlns:a14="http://schemas.microsoft.com/office/drawing/2010/main" w="9525">
                     <a:solidFill>
                       <a:srgbClr val="000000"/>
                     </a:solidFill>
@@ -11600,7 +11606,7 @@
               </a:ln>
               <a:extLst>
                 <a:ext uri="{91240B29-F687-4f45-9708-019B960494DF}">
-                  <a14:hiddenLine xmlns:a14="http://schemas.microsoft.com/office/drawing/2010/main" xmlns="" w="9525">
+                  <a14:hiddenLine xmlns="" xmlns:a14="http://schemas.microsoft.com/office/drawing/2010/main" w="9525">
                     <a:solidFill>
                       <a:srgbClr val="000000"/>
                     </a:solidFill>
@@ -11668,7 +11674,7 @@
               </a:ln>
               <a:extLst>
                 <a:ext uri="{91240B29-F687-4f45-9708-019B960494DF}">
-                  <a14:hiddenLine xmlns:a14="http://schemas.microsoft.com/office/drawing/2010/main" xmlns="" w="9525">
+                  <a14:hiddenLine xmlns="" xmlns:a14="http://schemas.microsoft.com/office/drawing/2010/main" w="9525">
                     <a:solidFill>
                       <a:srgbClr val="000000"/>
                     </a:solidFill>
@@ -11758,7 +11764,7 @@
               </a:ln>
               <a:extLst>
                 <a:ext uri="{91240B29-F687-4f45-9708-019B960494DF}">
-                  <a14:hiddenLine xmlns:a14="http://schemas.microsoft.com/office/drawing/2010/main" xmlns="" w="9525">
+                  <a14:hiddenLine xmlns="" xmlns:a14="http://schemas.microsoft.com/office/drawing/2010/main" w="9525">
                     <a:solidFill>
                       <a:srgbClr val="000000"/>
                     </a:solidFill>
@@ -11792,7 +11798,7 @@
               </a:ln>
               <a:extLst>
                 <a:ext uri="{91240B29-F687-4f45-9708-019B960494DF}">
-                  <a14:hiddenLine xmlns:a14="http://schemas.microsoft.com/office/drawing/2010/main" xmlns="" w="9525">
+                  <a14:hiddenLine xmlns="" xmlns:a14="http://schemas.microsoft.com/office/drawing/2010/main" w="9525">
                     <a:solidFill>
                       <a:srgbClr val="000000"/>
                     </a:solidFill>
@@ -12402,9 +12408,18 @@
           <a:lstStyle/>
           <a:p>
             <a:r>
-              <a:rPr lang="pt-PT" sz="4400"/>
-              <a:t>Chinese Checkers</a:t>
+              <a:rPr lang="pt-PT" sz="4400" dirty="0" err="1"/>
+              <a:t>Chinese</a:t>
             </a:r>
+            <a:r>
+              <a:rPr lang="pt-PT" sz="4400" dirty="0"/>
+              <a:t> </a:t>
+            </a:r>
+            <a:r>
+              <a:rPr lang="pt-PT" sz="4400" dirty="0" err="1"/>
+              <a:t>Checkers</a:t>
+            </a:r>
+            <a:endParaRPr lang="pt-PT" sz="4400" dirty="0"/>
           </a:p>
         </p:txBody>
       </p:sp>
@@ -13577,6 +13592,141 @@
 </p:sld>
 </file>
 
+<file path=ppt/slides/slide8.xml><?xml version="1.0" encoding="utf-8"?>
+<p:sld xmlns:a="http://schemas.openxmlformats.org/drawingml/2006/main" xmlns:r="http://schemas.openxmlformats.org/officeDocument/2006/relationships" xmlns:p="http://schemas.openxmlformats.org/presentationml/2006/main">
+  <p:cSld>
+    <p:spTree>
+      <p:nvGrpSpPr>
+        <p:cNvPr id="1" name=""/>
+        <p:cNvGrpSpPr/>
+        <p:nvPr/>
+      </p:nvGrpSpPr>
+      <p:grpSpPr>
+        <a:xfrm>
+          <a:off x="0" y="0"/>
+          <a:ext cx="0" cy="0"/>
+          <a:chOff x="0" y="0"/>
+          <a:chExt cx="0" cy="0"/>
+        </a:xfrm>
+      </p:grpSpPr>
+      <p:sp>
+        <p:nvSpPr>
+          <p:cNvPr id="2" name="Título 1">
+            <a:extLst>
+              <a:ext uri="{FF2B5EF4-FFF2-40B4-BE49-F238E27FC236}">
+                <a16:creationId xmlns:a16="http://schemas.microsoft.com/office/drawing/2014/main" id="{47CFBB92-A527-493A-9436-097A94830F6A}"/>
+              </a:ext>
+            </a:extLst>
+          </p:cNvPr>
+          <p:cNvSpPr>
+            <a:spLocks noGrp="1"/>
+          </p:cNvSpPr>
+          <p:nvPr>
+            <p:ph type="title"/>
+          </p:nvPr>
+        </p:nvSpPr>
+        <p:spPr/>
+        <p:txBody>
+          <a:bodyPr/>
+          <a:lstStyle/>
+          <a:p>
+            <a:r>
+              <a:rPr lang="pt-PT" dirty="0" err="1"/>
+              <a:t>github</a:t>
+            </a:r>
+            <a:endParaRPr lang="pt-PT" dirty="0"/>
+          </a:p>
+        </p:txBody>
+      </p:sp>
+      <p:pic>
+        <p:nvPicPr>
+          <p:cNvPr id="5" name="Marcador de Posição de Conteúdo 4" descr="Uma imagem com texto, captura de ecrã, monitor, ecrã&#10;&#10;Descrição gerada automaticamente">
+            <a:extLst>
+              <a:ext uri="{FF2B5EF4-FFF2-40B4-BE49-F238E27FC236}">
+                <a16:creationId xmlns:a16="http://schemas.microsoft.com/office/drawing/2014/main" id="{95515996-D580-48A6-B70A-BB438B6A119C}"/>
+              </a:ext>
+            </a:extLst>
+          </p:cNvPr>
+          <p:cNvPicPr>
+            <a:picLocks noGrp="1" noChangeAspect="1"/>
+          </p:cNvPicPr>
+          <p:nvPr>
+            <p:ph idx="1"/>
+          </p:nvPr>
+        </p:nvPicPr>
+        <p:blipFill>
+          <a:blip r:embed="rId2"/>
+          <a:stretch>
+            <a:fillRect/>
+          </a:stretch>
+        </p:blipFill>
+        <p:spPr>
+          <a:xfrm>
+            <a:off x="1141413" y="2306638"/>
+            <a:ext cx="5302425" cy="3541712"/>
+          </a:xfrm>
+        </p:spPr>
+      </p:pic>
+      <p:sp>
+        <p:nvSpPr>
+          <p:cNvPr id="10" name="CaixaDeTexto 9">
+            <a:extLst>
+              <a:ext uri="{FF2B5EF4-FFF2-40B4-BE49-F238E27FC236}">
+                <a16:creationId xmlns:a16="http://schemas.microsoft.com/office/drawing/2014/main" id="{654A0A32-9C23-45C2-9104-1B80DB9CB48B}"/>
+              </a:ext>
+            </a:extLst>
+          </p:cNvPr>
+          <p:cNvSpPr txBox="1"/>
+          <p:nvPr/>
+        </p:nvSpPr>
+        <p:spPr>
+          <a:xfrm>
+            <a:off x="7174266" y="2386537"/>
+            <a:ext cx="4099977" cy="1107996"/>
+          </a:xfrm>
+          <a:prstGeom prst="rect">
+            <a:avLst/>
+          </a:prstGeom>
+          <a:noFill/>
+        </p:spPr>
+        <p:txBody>
+          <a:bodyPr wrap="square" rtlCol="0">
+            <a:spAutoFit/>
+          </a:bodyPr>
+          <a:lstStyle/>
+          <a:p>
+            <a:r>
+              <a:rPr lang="pt-PT" sz="2200" dirty="0"/>
+              <a:t>Leonardo Andrade nº23415</a:t>
+            </a:r>
+          </a:p>
+          <a:p>
+            <a:r>
+              <a:rPr lang="pt-PT" sz="2200" dirty="0"/>
+              <a:t>João Miranda nº23416</a:t>
+            </a:r>
+          </a:p>
+          <a:p>
+            <a:r>
+              <a:rPr lang="pt-PT" sz="2200" dirty="0"/>
+              <a:t>Miguel Cruzeiro nº23788</a:t>
+            </a:r>
+          </a:p>
+        </p:txBody>
+      </p:sp>
+    </p:spTree>
+    <p:extLst>
+      <p:ext uri="{BB962C8B-B14F-4D97-AF65-F5344CB8AC3E}">
+        <p14:creationId xmlns:p14="http://schemas.microsoft.com/office/powerpoint/2010/main" val="558338919"/>
+      </p:ext>
+    </p:extLst>
+  </p:cSld>
+  <p:clrMapOvr>
+    <a:masterClrMapping/>
+  </p:clrMapOvr>
+</p:sld>
+</file>
+
 <file path=ppt/theme/theme1.xml><?xml version="1.0" encoding="utf-8"?>
 <a:theme xmlns:a="http://schemas.openxmlformats.org/drawingml/2006/main" name="Circuito">
   <a:themeElements>
